--- a/概要.pptx
+++ b/概要.pptx
@@ -104,13 +104,18 @@
       </a:defRPr>
     </a:lvl9pPr>
   </p:defaultTextStyle>
+  <p:extLst>
+    <p:ext uri="{EFAFB233-063F-42B5-8137-9DF3F51BA10A}">
+      <p15:sldGuideLst xmlns:p15="http://schemas.microsoft.com/office/powerpoint/2012/main"/>
+    </p:ext>
+  </p:extLst>
 </p:presentation>
 </file>
 
 <file path=ppt/revisionInfo.xml><?xml version="1.0" encoding="utf-8"?>
 <p1510:revInfo xmlns:a="http://schemas.openxmlformats.org/drawingml/2006/main" xmlns:r="http://schemas.openxmlformats.org/officeDocument/2006/relationships" xmlns:p1510="http://schemas.microsoft.com/office/powerpoint/2015/10/main">
   <p1510:revLst>
-    <p1510:client id="{2F4F7DF7-3C2A-47CC-928C-629B81F9AE11}" v="3" dt="2024-09-18T12:43:27.502"/>
+    <p1510:client id="{2F4F7DF7-3C2A-47CC-928C-629B81F9AE11}" v="4" dt="2024-09-18T12:50:54.041"/>
   </p1510:revLst>
 </p1510:revInfo>
 </file>
@@ -120,12 +125,12 @@
   <pc:docChgLst>
     <pc:chgData name="naoya mitsumoto" userId="cb6794563c0bbb79" providerId="LiveId" clId="{2F4F7DF7-3C2A-47CC-928C-629B81F9AE11}"/>
     <pc:docChg chg="custSel modSld">
-      <pc:chgData name="naoya mitsumoto" userId="cb6794563c0bbb79" providerId="LiveId" clId="{2F4F7DF7-3C2A-47CC-928C-629B81F9AE11}" dt="2024-09-18T12:44:27.979" v="61" actId="20577"/>
+      <pc:chgData name="naoya mitsumoto" userId="cb6794563c0bbb79" providerId="LiveId" clId="{2F4F7DF7-3C2A-47CC-928C-629B81F9AE11}" dt="2024-09-18T12:51:53.672" v="116" actId="1035"/>
       <pc:docMkLst>
         <pc:docMk/>
       </pc:docMkLst>
-      <pc:sldChg chg="modSp mod">
-        <pc:chgData name="naoya mitsumoto" userId="cb6794563c0bbb79" providerId="LiveId" clId="{2F4F7DF7-3C2A-47CC-928C-629B81F9AE11}" dt="2024-09-18T12:44:27.979" v="61" actId="20577"/>
+      <pc:sldChg chg="addSp modSp mod">
+        <pc:chgData name="naoya mitsumoto" userId="cb6794563c0bbb79" providerId="LiveId" clId="{2F4F7DF7-3C2A-47CC-928C-629B81F9AE11}" dt="2024-09-18T12:51:53.672" v="116" actId="1035"/>
         <pc:sldMkLst>
           <pc:docMk/>
           <pc:sldMk cId="3674668130" sldId="256"/>
@@ -138,6 +143,22 @@
             <ac:spMk id="3" creationId="{656C66C8-0AC7-CDB0-9EB7-07A9CC6A5EB6}"/>
           </ac:spMkLst>
         </pc:spChg>
+        <pc:picChg chg="add mod">
+          <ac:chgData name="naoya mitsumoto" userId="cb6794563c0bbb79" providerId="LiveId" clId="{2F4F7DF7-3C2A-47CC-928C-629B81F9AE11}" dt="2024-09-18T12:51:33.604" v="83" actId="1035"/>
+          <ac:picMkLst>
+            <pc:docMk/>
+            <pc:sldMk cId="3674668130" sldId="256"/>
+            <ac:picMk id="5" creationId="{55352712-20B3-6BC1-C87E-3CAE1651D1F4}"/>
+          </ac:picMkLst>
+        </pc:picChg>
+        <pc:picChg chg="mod ord">
+          <ac:chgData name="naoya mitsumoto" userId="cb6794563c0bbb79" providerId="LiveId" clId="{2F4F7DF7-3C2A-47CC-928C-629B81F9AE11}" dt="2024-09-18T12:51:53.672" v="116" actId="1035"/>
+          <ac:picMkLst>
+            <pc:docMk/>
+            <pc:sldMk cId="3674668130" sldId="256"/>
+            <ac:picMk id="7" creationId="{C53F9E7A-6AC5-439D-A196-AEE0CCB2665B}"/>
+          </ac:picMkLst>
+        </pc:picChg>
       </pc:sldChg>
     </pc:docChg>
   </pc:docChgLst>
@@ -4557,42 +4578,6 @@
           </a:p>
         </p:txBody>
       </p:sp>
-      <p:pic>
-        <p:nvPicPr>
-          <p:cNvPr id="7" name="図 6" descr="レゴ, 時計, コンピュータ が含まれている画像&#10;&#10;自動的に生成された説明">
-            <a:extLst>
-              <a:ext uri="{FF2B5EF4-FFF2-40B4-BE49-F238E27FC236}">
-                <a16:creationId xmlns:a16="http://schemas.microsoft.com/office/drawing/2014/main" id="{C53F9E7A-6AC5-439D-A196-AEE0CCB2665B}"/>
-              </a:ext>
-            </a:extLst>
-          </p:cNvPr>
-          <p:cNvPicPr>
-            <a:picLocks noChangeAspect="1"/>
-          </p:cNvPicPr>
-          <p:nvPr/>
-        </p:nvPicPr>
-        <p:blipFill>
-          <a:blip r:embed="rId2">
-            <a:extLst>
-              <a:ext uri="{28A0092B-C50C-407E-A947-70E740481C1C}">
-                <a14:useLocalDpi xmlns:a14="http://schemas.microsoft.com/office/drawing/2010/main" val="0"/>
-              </a:ext>
-            </a:extLst>
-          </a:blip>
-          <a:stretch>
-            <a:fillRect/>
-          </a:stretch>
-        </p:blipFill>
-        <p:spPr>
-          <a:xfrm rot="210346">
-            <a:off x="5550142" y="935725"/>
-            <a:ext cx="6417380" cy="4540295"/>
-          </a:xfrm>
-          <a:prstGeom prst="rect">
-            <a:avLst/>
-          </a:prstGeom>
-        </p:spPr>
-      </p:pic>
       <p:sp>
         <p:nvSpPr>
           <p:cNvPr id="2" name="タイトル 1">
@@ -5023,7 +5008,7 @@
             </a:pathLst>
           </a:custGeom>
           <a:blipFill dpi="0" rotWithShape="1">
-            <a:blip r:embed="rId3">
+            <a:blip r:embed="rId2">
               <a:alphaModFix amt="84000"/>
             </a:blip>
             <a:srcRect/>
@@ -5067,6 +5052,78 @@
           </a:p>
         </p:txBody>
       </p:sp>
+      <p:pic>
+        <p:nvPicPr>
+          <p:cNvPr id="5" name="図 4">
+            <a:extLst>
+              <a:ext uri="{FF2B5EF4-FFF2-40B4-BE49-F238E27FC236}">
+                <a16:creationId xmlns:a16="http://schemas.microsoft.com/office/drawing/2014/main" id="{55352712-20B3-6BC1-C87E-3CAE1651D1F4}"/>
+              </a:ext>
+            </a:extLst>
+          </p:cNvPr>
+          <p:cNvPicPr>
+            <a:picLocks noChangeAspect="1"/>
+          </p:cNvPicPr>
+          <p:nvPr/>
+        </p:nvPicPr>
+        <p:blipFill>
+          <a:blip r:embed="rId3">
+            <a:extLst>
+              <a:ext uri="{28A0092B-C50C-407E-A947-70E740481C1C}">
+                <a14:useLocalDpi xmlns:a14="http://schemas.microsoft.com/office/drawing/2010/main" val="0"/>
+              </a:ext>
+            </a:extLst>
+          </a:blip>
+          <a:stretch>
+            <a:fillRect/>
+          </a:stretch>
+        </p:blipFill>
+        <p:spPr>
+          <a:xfrm>
+            <a:off x="5772727" y="49166"/>
+            <a:ext cx="5875521" cy="6340490"/>
+          </a:xfrm>
+          <a:prstGeom prst="rect">
+            <a:avLst/>
+          </a:prstGeom>
+        </p:spPr>
+      </p:pic>
+      <p:pic>
+        <p:nvPicPr>
+          <p:cNvPr id="7" name="図 6" descr="レゴ, 時計, コンピュータ が含まれている画像&#10;&#10;自動的に生成された説明">
+            <a:extLst>
+              <a:ext uri="{FF2B5EF4-FFF2-40B4-BE49-F238E27FC236}">
+                <a16:creationId xmlns:a16="http://schemas.microsoft.com/office/drawing/2014/main" id="{C53F9E7A-6AC5-439D-A196-AEE0CCB2665B}"/>
+              </a:ext>
+            </a:extLst>
+          </p:cNvPr>
+          <p:cNvPicPr>
+            <a:picLocks noChangeAspect="1"/>
+          </p:cNvPicPr>
+          <p:nvPr/>
+        </p:nvPicPr>
+        <p:blipFill>
+          <a:blip r:embed="rId4">
+            <a:extLst>
+              <a:ext uri="{28A0092B-C50C-407E-A947-70E740481C1C}">
+                <a14:useLocalDpi xmlns:a14="http://schemas.microsoft.com/office/drawing/2010/main" val="0"/>
+              </a:ext>
+            </a:extLst>
+          </a:blip>
+          <a:stretch>
+            <a:fillRect/>
+          </a:stretch>
+        </p:blipFill>
+        <p:spPr>
+          <a:xfrm rot="162025">
+            <a:off x="6641574" y="802784"/>
+            <a:ext cx="3871551" cy="2739122"/>
+          </a:xfrm>
+          <a:prstGeom prst="rect">
+            <a:avLst/>
+          </a:prstGeom>
+        </p:spPr>
+      </p:pic>
     </p:spTree>
     <p:extLst>
       <p:ext uri="{BB962C8B-B14F-4D97-AF65-F5344CB8AC3E}">
